--- a/assets/workshop_3_highload.pptx
+++ b/assets/workshop_3_highload.pptx
@@ -997,58 +997,6 @@
         </a:p>
       </dgm:t>
     </dgm:pt>
-    <dgm:pt modelId="{D75AD8BC-4245-4D22-A9AA-967CCB180AEA}">
-      <dgm:prSet phldrT="[Текст]" custT="1">
-        <dgm:style>
-          <a:lnRef idx="0">
-            <a:schemeClr val="accent3"/>
-          </a:lnRef>
-          <a:fillRef idx="3">
-            <a:schemeClr val="accent3"/>
-          </a:fillRef>
-          <a:effectRef idx="3">
-            <a:schemeClr val="accent3"/>
-          </a:effectRef>
-          <a:fontRef idx="minor">
-            <a:schemeClr val="lt1"/>
-          </a:fontRef>
-        </dgm:style>
-      </dgm:prSet>
-      <dgm:spPr/>
-      <dgm:t>
-        <a:bodyPr/>
-        <a:lstStyle/>
-        <a:p>
-          <a:r>
-            <a:rPr lang="en-US" sz="2000" dirty="0" smtClean="0"/>
-            <a:t>Reverse proxy</a:t>
-          </a:r>
-          <a:endParaRPr lang="en-US" sz="2000" dirty="0"/>
-        </a:p>
-      </dgm:t>
-    </dgm:pt>
-    <dgm:pt modelId="{D90FDC89-3BCF-48FE-BD16-034F1873077F}" type="parTrans" cxnId="{6E3DDEF0-C2B5-43F3-85F5-D68F0BF81334}">
-      <dgm:prSet/>
-      <dgm:spPr/>
-      <dgm:t>
-        <a:bodyPr/>
-        <a:lstStyle/>
-        <a:p>
-          <a:endParaRPr lang="en-US" sz="2800"/>
-        </a:p>
-      </dgm:t>
-    </dgm:pt>
-    <dgm:pt modelId="{3531053C-3D4A-4C3A-9F73-991903520A5A}" type="sibTrans" cxnId="{6E3DDEF0-C2B5-43F3-85F5-D68F0BF81334}">
-      <dgm:prSet/>
-      <dgm:spPr/>
-      <dgm:t>
-        <a:bodyPr/>
-        <a:lstStyle/>
-        <a:p>
-          <a:endParaRPr lang="en-US" sz="2800"/>
-        </a:p>
-      </dgm:t>
-    </dgm:pt>
     <dgm:pt modelId="{D04768BF-E225-440F-8209-40EF555C16EA}">
       <dgm:prSet phldrT="[Текст]" custT="1">
         <dgm:style>
@@ -1124,8 +1072,8 @@
         <a:lstStyle/>
         <a:p>
           <a:r>
-            <a:rPr lang="en-US" sz="2000" dirty="0" smtClean="0"/>
-            <a:t>APC</a:t>
+            <a:rPr lang="en-US" sz="2000" dirty="0" err="1" smtClean="0"/>
+            <a:t>APCu</a:t>
           </a:r>
           <a:endParaRPr lang="en-US" sz="2000" dirty="0"/>
         </a:p>
@@ -1227,12 +1175,13 @@
         <a:bodyPr/>
         <a:lstStyle/>
         <a:p>
-          <a:endParaRPr lang="en-US" sz="2000" dirty="0" smtClean="0"/>
-        </a:p>
-        <a:p>
           <a:r>
             <a:rPr lang="en-US" sz="2000" b="1" dirty="0" smtClean="0"/>
-            <a:t>Other methods</a:t>
+            <a:t>Other </a:t>
+          </a:r>
+          <a:r>
+            <a:rPr lang="en-US" sz="2000" b="1" dirty="0" smtClean="0"/>
+            <a:t>methods</a:t>
           </a:r>
           <a:endParaRPr lang="en-US" sz="2000" b="1" dirty="0"/>
         </a:p>
@@ -1250,54 +1199,6 @@
       </dgm:t>
     </dgm:pt>
     <dgm:pt modelId="{DB508A77-4BE9-4759-958F-488CDF4FF393}" type="sibTrans" cxnId="{B02DE789-B3CB-4B01-BFAC-FCE0AEB9259B}">
-      <dgm:prSet/>
-      <dgm:spPr/>
-      <dgm:t>
-        <a:bodyPr/>
-        <a:lstStyle/>
-        <a:p>
-          <a:endParaRPr lang="en-US" sz="2800"/>
-        </a:p>
-      </dgm:t>
-    </dgm:pt>
-    <dgm:pt modelId="{AD6E0F25-C15E-4A0F-B29C-CA1A7093E2B7}">
-      <dgm:prSet phldrT="[Текст]" custT="1">
-        <dgm:style>
-          <a:lnRef idx="0">
-            <a:schemeClr val="accent2"/>
-          </a:lnRef>
-          <a:fillRef idx="3">
-            <a:schemeClr val="accent2"/>
-          </a:fillRef>
-          <a:effectRef idx="3">
-            <a:schemeClr val="accent2"/>
-          </a:effectRef>
-          <a:fontRef idx="minor">
-            <a:schemeClr val="lt1"/>
-          </a:fontRef>
-        </dgm:style>
-      </dgm:prSet>
-      <dgm:spPr/>
-      <dgm:t>
-        <a:bodyPr/>
-        <a:lstStyle/>
-        <a:p>
-          <a:endParaRPr lang="en-US" sz="2000" dirty="0"/>
-        </a:p>
-      </dgm:t>
-    </dgm:pt>
-    <dgm:pt modelId="{47EAD389-A639-4A84-B2CA-4C01968DC50E}" type="parTrans" cxnId="{80523FEF-FD29-4F3D-9F0A-F7F2EA8F9F16}">
-      <dgm:prSet/>
-      <dgm:spPr/>
-      <dgm:t>
-        <a:bodyPr/>
-        <a:lstStyle/>
-        <a:p>
-          <a:endParaRPr lang="en-US" sz="2800"/>
-        </a:p>
-      </dgm:t>
-    </dgm:pt>
-    <dgm:pt modelId="{1578245F-C99A-4AAF-A349-A9379041A6DF}" type="sibTrans" cxnId="{80523FEF-FD29-4F3D-9F0A-F7F2EA8F9F16}">
       <dgm:prSet/>
       <dgm:spPr/>
       <dgm:t>
@@ -1464,54 +1365,6 @@
         </a:p>
       </dgm:t>
     </dgm:pt>
-    <dgm:pt modelId="{F2F60B1A-E5F5-4882-A8CE-2E5FE21F8E41}">
-      <dgm:prSet phldrT="[Текст]" custT="1">
-        <dgm:style>
-          <a:lnRef idx="0">
-            <a:schemeClr val="accent3"/>
-          </a:lnRef>
-          <a:fillRef idx="3">
-            <a:schemeClr val="accent3"/>
-          </a:fillRef>
-          <a:effectRef idx="3">
-            <a:schemeClr val="accent3"/>
-          </a:effectRef>
-          <a:fontRef idx="minor">
-            <a:schemeClr val="lt1"/>
-          </a:fontRef>
-        </dgm:style>
-      </dgm:prSet>
-      <dgm:spPr/>
-      <dgm:t>
-        <a:bodyPr/>
-        <a:lstStyle/>
-        <a:p>
-          <a:endParaRPr lang="en-US" sz="2000" dirty="0"/>
-        </a:p>
-      </dgm:t>
-    </dgm:pt>
-    <dgm:pt modelId="{336A7C4C-61B1-4069-BC48-1F3E81895D48}" type="parTrans" cxnId="{AB540132-992C-457B-824F-820C06D0DF2D}">
-      <dgm:prSet/>
-      <dgm:spPr/>
-      <dgm:t>
-        <a:bodyPr/>
-        <a:lstStyle/>
-        <a:p>
-          <a:endParaRPr lang="en-US"/>
-        </a:p>
-      </dgm:t>
-    </dgm:pt>
-    <dgm:pt modelId="{104B3B22-592C-4109-A09D-6B63ADFE635E}" type="sibTrans" cxnId="{AB540132-992C-457B-824F-820C06D0DF2D}">
-      <dgm:prSet/>
-      <dgm:spPr/>
-      <dgm:t>
-        <a:bodyPr/>
-        <a:lstStyle/>
-        <a:p>
-          <a:endParaRPr lang="en-US"/>
-        </a:p>
-      </dgm:t>
-    </dgm:pt>
     <dgm:pt modelId="{CCE6FA97-BF35-44A1-ACFF-B7187ABDBBF8}">
       <dgm:prSet phldrT="[Текст]" custT="1">
         <dgm:style>
@@ -1639,8 +1492,6 @@
     <dgm:cxn modelId="{72C1C28E-FBB1-4CC7-8DB4-27B8B7136911}" type="presOf" srcId="{59A5FF5D-9D40-46F4-95BF-C3B4B3F276B1}" destId="{E4683304-141E-4883-B72C-82EB8DB3BF97}" srcOrd="0" destOrd="1" presId="urn:microsoft.com/office/officeart/2005/8/layout/hList6"/>
     <dgm:cxn modelId="{188227E0-F9D9-4D05-A24D-6636FEB42199}" srcId="{053942E9-3EF6-4B7B-8DAD-B72D15545056}" destId="{63E263F1-C33D-4C41-A409-8D99AD4254FE}" srcOrd="0" destOrd="0" parTransId="{C1C377B3-8083-4F61-BF08-3D7D03C2A94D}" sibTransId="{87114BC6-D529-4E8B-9E05-70FBC6201C6A}"/>
     <dgm:cxn modelId="{B55DEB56-EB73-47EF-8EB0-87B9128F9ACF}" type="presOf" srcId="{A031118A-9256-42B1-8401-2F99C636E1CE}" destId="{244AFD69-AAC6-400D-B34B-645B1B2E2D92}" srcOrd="0" destOrd="0" presId="urn:microsoft.com/office/officeart/2005/8/layout/hList6"/>
-    <dgm:cxn modelId="{1FB9C7A9-26F9-4F54-AC31-5C7590E709AD}" type="presOf" srcId="{D75AD8BC-4245-4D22-A9AA-967CCB180AEA}" destId="{E4683304-141E-4883-B72C-82EB8DB3BF97}" srcOrd="0" destOrd="4" presId="urn:microsoft.com/office/officeart/2005/8/layout/hList6"/>
-    <dgm:cxn modelId="{AB540132-992C-457B-824F-820C06D0DF2D}" srcId="{63E263F1-C33D-4C41-A409-8D99AD4254FE}" destId="{F2F60B1A-E5F5-4882-A8CE-2E5FE21F8E41}" srcOrd="4" destOrd="0" parTransId="{336A7C4C-61B1-4069-BC48-1F3E81895D48}" sibTransId="{104B3B22-592C-4109-A09D-6B63ADFE635E}"/>
     <dgm:cxn modelId="{271074E3-7E86-4EFC-87B2-F2C22441A2EA}" type="presOf" srcId="{D04768BF-E225-440F-8209-40EF555C16EA}" destId="{526BC977-A160-489D-BE53-648413CF2A10}" srcOrd="0" destOrd="0" presId="urn:microsoft.com/office/officeart/2005/8/layout/hList6"/>
     <dgm:cxn modelId="{A2FCD678-FF6A-41ED-98B2-E4AFEF496A57}" srcId="{63E263F1-C33D-4C41-A409-8D99AD4254FE}" destId="{F74F7C7F-2DC7-4688-B392-B9CDF68D3FD3}" srcOrd="1" destOrd="0" parTransId="{1C0B98D2-C20F-4F06-8C1C-4F734785BE08}" sibTransId="{19DD87F4-121A-47C5-934C-8FFABD1C62EE}"/>
     <dgm:cxn modelId="{CD44B2B6-94CC-4414-863A-793D80955B80}" type="presOf" srcId="{7307F51B-E6FE-4252-99A0-E2DF6688C522}" destId="{526BC977-A160-489D-BE53-648413CF2A10}" srcOrd="0" destOrd="1" presId="urn:microsoft.com/office/officeart/2005/8/layout/hList6"/>
@@ -1650,18 +1501,14 @@
     <dgm:cxn modelId="{A0A28661-DFB1-4B31-86CF-04F5EE7E2BA5}" type="presOf" srcId="{F74F7C7F-2DC7-4688-B392-B9CDF68D3FD3}" destId="{E4683304-141E-4883-B72C-82EB8DB3BF97}" srcOrd="0" destOrd="2" presId="urn:microsoft.com/office/officeart/2005/8/layout/hList6"/>
     <dgm:cxn modelId="{CCD66586-3A73-4D73-BEEE-6EAFE067BF99}" type="presOf" srcId="{060288F5-C1F7-416B-BCE6-CECF8D6D38DE}" destId="{E4683304-141E-4883-B72C-82EB8DB3BF97}" srcOrd="0" destOrd="3" presId="urn:microsoft.com/office/officeart/2005/8/layout/hList6"/>
     <dgm:cxn modelId="{DF9B0E05-F200-47CC-BC39-E10AF675188E}" srcId="{053942E9-3EF6-4B7B-8DAD-B72D15545056}" destId="{D04768BF-E225-440F-8209-40EF555C16EA}" srcOrd="1" destOrd="0" parTransId="{4C111CBB-34E7-483D-8BFF-EBAB0FF3CD62}" sibTransId="{B96A787A-7AF1-4971-92E8-E644A3D1F4BA}"/>
-    <dgm:cxn modelId="{0D41E364-1607-4316-AED1-D2468E691F60}" type="presOf" srcId="{AD6E0F25-C15E-4A0F-B29C-CA1A7093E2B7}" destId="{244AFD69-AAC6-400D-B34B-645B1B2E2D92}" srcOrd="0" destOrd="1" presId="urn:microsoft.com/office/officeart/2005/8/layout/hList6"/>
-    <dgm:cxn modelId="{80523FEF-FD29-4F3D-9F0A-F7F2EA8F9F16}" srcId="{A031118A-9256-42B1-8401-2F99C636E1CE}" destId="{AD6E0F25-C15E-4A0F-B29C-CA1A7093E2B7}" srcOrd="0" destOrd="0" parTransId="{47EAD389-A639-4A84-B2CA-4C01968DC50E}" sibTransId="{1578245F-C99A-4AAF-A349-A9379041A6DF}"/>
-    <dgm:cxn modelId="{6E3DDEF0-C2B5-43F3-85F5-D68F0BF81334}" srcId="{63E263F1-C33D-4C41-A409-8D99AD4254FE}" destId="{D75AD8BC-4245-4D22-A9AA-967CCB180AEA}" srcOrd="3" destOrd="0" parTransId="{D90FDC89-3BCF-48FE-BD16-034F1873077F}" sibTransId="{3531053C-3D4A-4C3A-9F73-991903520A5A}"/>
     <dgm:cxn modelId="{722A7C6E-E788-4EEB-B6D2-C4610B251ED5}" type="presOf" srcId="{E038BC40-8845-4D40-8DDB-4B8941087EC7}" destId="{526BC977-A160-489D-BE53-648413CF2A10}" srcOrd="0" destOrd="3" presId="urn:microsoft.com/office/officeart/2005/8/layout/hList6"/>
     <dgm:cxn modelId="{13768F21-9130-4470-8888-455E1FBEF9D6}" srcId="{63E263F1-C33D-4C41-A409-8D99AD4254FE}" destId="{59A5FF5D-9D40-46F4-95BF-C3B4B3F276B1}" srcOrd="0" destOrd="0" parTransId="{0FC76EB6-95FF-4D1A-B6F3-93AB69F82642}" sibTransId="{57F3ABD3-32CA-467F-8289-E477718914B8}"/>
     <dgm:cxn modelId="{B1B50AB1-20EF-416F-9D3B-0CD9ED0CB546}" srcId="{D04768BF-E225-440F-8209-40EF555C16EA}" destId="{E038BC40-8845-4D40-8DDB-4B8941087EC7}" srcOrd="2" destOrd="0" parTransId="{1B7F867D-0159-42D2-ADFB-C748B4743456}" sibTransId="{330989B0-17D0-4C60-8721-F0CEBB939310}"/>
     <dgm:cxn modelId="{061AA6D7-0525-47A0-B143-C9A8CE8826D5}" type="presOf" srcId="{053942E9-3EF6-4B7B-8DAD-B72D15545056}" destId="{A07CD5BB-B8E6-4261-AFFD-1D71AEB321F1}" srcOrd="0" destOrd="0" presId="urn:microsoft.com/office/officeart/2005/8/layout/hList6"/>
-    <dgm:cxn modelId="{3953BA86-A75C-4473-B245-4B2810DDAA26}" type="presOf" srcId="{67799C28-897E-426F-B951-7C71E88348C9}" destId="{E4683304-141E-4883-B72C-82EB8DB3BF97}" srcOrd="0" destOrd="6" presId="urn:microsoft.com/office/officeart/2005/8/layout/hList6"/>
+    <dgm:cxn modelId="{3953BA86-A75C-4473-B245-4B2810DDAA26}" type="presOf" srcId="{67799C28-897E-426F-B951-7C71E88348C9}" destId="{E4683304-141E-4883-B72C-82EB8DB3BF97}" srcOrd="0" destOrd="4" presId="urn:microsoft.com/office/officeart/2005/8/layout/hList6"/>
     <dgm:cxn modelId="{378B22ED-E729-4A8C-9E45-5F3FAB08F71F}" type="presOf" srcId="{CCE6FA97-BF35-44A1-ACFF-B7187ABDBBF8}" destId="{526BC977-A160-489D-BE53-648413CF2A10}" srcOrd="0" destOrd="2" presId="urn:microsoft.com/office/officeart/2005/8/layout/hList6"/>
-    <dgm:cxn modelId="{B55E2F50-04FD-4463-9025-84C9CA21DCD1}" type="presOf" srcId="{F2F60B1A-E5F5-4882-A8CE-2E5FE21F8E41}" destId="{E4683304-141E-4883-B72C-82EB8DB3BF97}" srcOrd="0" destOrd="5" presId="urn:microsoft.com/office/officeart/2005/8/layout/hList6"/>
     <dgm:cxn modelId="{B02DE789-B3CB-4B01-BFAC-FCE0AEB9259B}" srcId="{053942E9-3EF6-4B7B-8DAD-B72D15545056}" destId="{A031118A-9256-42B1-8401-2F99C636E1CE}" srcOrd="2" destOrd="0" parTransId="{93BCFA80-2909-4D67-ABF3-8CEA7F6EFFCE}" sibTransId="{DB508A77-4BE9-4759-958F-488CDF4FF393}"/>
-    <dgm:cxn modelId="{F3022673-87F7-4814-AA3D-B00EA5C40B21}" srcId="{63E263F1-C33D-4C41-A409-8D99AD4254FE}" destId="{67799C28-897E-426F-B951-7C71E88348C9}" srcOrd="5" destOrd="0" parTransId="{FA61CD7E-DF10-42E3-B88F-2E1236183DFD}" sibTransId="{E4B9563B-873C-4EAF-BC7F-7ED47E349168}"/>
+    <dgm:cxn modelId="{F3022673-87F7-4814-AA3D-B00EA5C40B21}" srcId="{63E263F1-C33D-4C41-A409-8D99AD4254FE}" destId="{67799C28-897E-426F-B951-7C71E88348C9}" srcOrd="3" destOrd="0" parTransId="{FA61CD7E-DF10-42E3-B88F-2E1236183DFD}" sibTransId="{E4B9563B-873C-4EAF-BC7F-7ED47E349168}"/>
     <dgm:cxn modelId="{1EA1BEFA-0B35-425D-8C55-89A015B8AAA4}" type="presParOf" srcId="{A07CD5BB-B8E6-4261-AFFD-1D71AEB321F1}" destId="{E4683304-141E-4883-B72C-82EB8DB3BF97}" srcOrd="0" destOrd="0" presId="urn:microsoft.com/office/officeart/2005/8/layout/hList6"/>
     <dgm:cxn modelId="{998526A9-E3C0-4C37-B409-A740F134B1A6}" type="presParOf" srcId="{A07CD5BB-B8E6-4261-AFFD-1D71AEB321F1}" destId="{6702730F-66B0-4B7C-B20B-FB530D34EBC4}" srcOrd="1" destOrd="0" presId="urn:microsoft.com/office/officeart/2005/8/layout/hList6"/>
     <dgm:cxn modelId="{CCE3C717-C1FE-400F-9D96-36DBBCBF77EE}" type="presParOf" srcId="{A07CD5BB-B8E6-4261-AFFD-1D71AEB321F1}" destId="{526BC977-A160-489D-BE53-648413CF2A10}" srcOrd="2" destOrd="0" presId="urn:microsoft.com/office/officeart/2005/8/layout/hList6"/>
@@ -1853,40 +1700,6 @@
           </a:pPr>
           <a:r>
             <a:rPr lang="en-US" sz="2000" kern="1200" dirty="0" smtClean="0"/>
-            <a:t>Reverse proxy</a:t>
-          </a:r>
-          <a:endParaRPr lang="en-US" sz="2000" kern="1200" dirty="0"/>
-        </a:p>
-        <a:p>
-          <a:pPr marL="228600" lvl="1" indent="-228600" algn="l" defTabSz="889000">
-            <a:lnSpc>
-              <a:spcPct val="90000"/>
-            </a:lnSpc>
-            <a:spcBef>
-              <a:spcPct val="0"/>
-            </a:spcBef>
-            <a:spcAft>
-              <a:spcPct val="15000"/>
-            </a:spcAft>
-            <a:buChar char="••"/>
-          </a:pPr>
-          <a:endParaRPr lang="en-US" sz="2000" kern="1200" dirty="0"/>
-        </a:p>
-        <a:p>
-          <a:pPr marL="228600" lvl="1" indent="-228600" algn="l" defTabSz="889000">
-            <a:lnSpc>
-              <a:spcPct val="90000"/>
-            </a:lnSpc>
-            <a:spcBef>
-              <a:spcPct val="0"/>
-            </a:spcBef>
-            <a:spcAft>
-              <a:spcPct val="15000"/>
-            </a:spcAft>
-            <a:buChar char="••"/>
-          </a:pPr>
-          <a:r>
-            <a:rPr lang="en-US" sz="2000" kern="1200" dirty="0" smtClean="0"/>
             <a:t>ESI tags</a:t>
           </a:r>
           <a:endParaRPr lang="en-US" sz="2000" kern="1200" dirty="0"/>
@@ -2006,8 +1819,8 @@
             <a:buChar char="••"/>
           </a:pPr>
           <a:r>
-            <a:rPr lang="en-US" sz="2000" kern="1200" dirty="0" smtClean="0"/>
-            <a:t>APC</a:t>
+            <a:rPr lang="en-US" sz="2000" kern="1200" dirty="0" err="1" smtClean="0"/>
+            <a:t>APCu</a:t>
           </a:r>
           <a:endParaRPr lang="en-US" sz="2000" kern="1200" dirty="0"/>
         </a:p>
@@ -2128,26 +1941,12 @@
         </a:fontRef>
       </dsp:style>
       <dsp:txBody>
-        <a:bodyPr spcFirstLastPara="0" vert="horz" wrap="square" lIns="127000" tIns="0" rIns="127000" bIns="0" numCol="1" spcCol="1270" anchor="t" anchorCtr="0">
+        <a:bodyPr spcFirstLastPara="0" vert="horz" wrap="square" lIns="127000" tIns="0" rIns="127000" bIns="0" numCol="1" spcCol="1270" anchor="ctr" anchorCtr="0">
           <a:noAutofit/>
         </a:bodyPr>
         <a:lstStyle/>
         <a:p>
-          <a:pPr lvl="0" algn="l" defTabSz="889000">
-            <a:lnSpc>
-              <a:spcPct val="90000"/>
-            </a:lnSpc>
-            <a:spcBef>
-              <a:spcPct val="0"/>
-            </a:spcBef>
-            <a:spcAft>
-              <a:spcPct val="35000"/>
-            </a:spcAft>
-          </a:pPr>
-          <a:endParaRPr lang="en-US" sz="2000" kern="1200" dirty="0" smtClean="0"/>
-        </a:p>
-        <a:p>
-          <a:pPr lvl="0" algn="l" defTabSz="889000">
+          <a:pPr lvl="0" algn="ctr" defTabSz="889000">
             <a:lnSpc>
               <a:spcPct val="90000"/>
             </a:lnSpc>
@@ -2160,24 +1959,13 @@
           </a:pPr>
           <a:r>
             <a:rPr lang="en-US" sz="2000" b="1" kern="1200" dirty="0" smtClean="0"/>
-            <a:t>Other methods</a:t>
+            <a:t>Other </a:t>
+          </a:r>
+          <a:r>
+            <a:rPr lang="en-US" sz="2000" b="1" kern="1200" dirty="0" smtClean="0"/>
+            <a:t>methods</a:t>
           </a:r>
           <a:endParaRPr lang="en-US" sz="2000" b="1" kern="1200" dirty="0"/>
-        </a:p>
-        <a:p>
-          <a:pPr marL="228600" lvl="1" indent="-228600" algn="l" defTabSz="889000">
-            <a:lnSpc>
-              <a:spcPct val="90000"/>
-            </a:lnSpc>
-            <a:spcBef>
-              <a:spcPct val="0"/>
-            </a:spcBef>
-            <a:spcAft>
-              <a:spcPct val="15000"/>
-            </a:spcAft>
-            <a:buChar char="••"/>
-          </a:pPr>
-          <a:endParaRPr lang="en-US" sz="2000" kern="1200" dirty="0"/>
         </a:p>
       </dsp:txBody>
       <dsp:txXfrm rot="5400000">
@@ -3576,7 +3364,7 @@
           <a:p>
             <a:fld id="{B4C71EC6-210F-42DE-9C53-41977AD35B3D}" type="datetimeFigureOut">
               <a:rPr lang="ru-RU" smtClean="0"/>
-              <a:t>5/30/15</a:t>
+              <a:t>5/31/15</a:t>
             </a:fld>
             <a:endParaRPr lang="ru-RU"/>
           </a:p>
@@ -3741,7 +3529,7 @@
           <a:p>
             <a:fld id="{B4C71EC6-210F-42DE-9C53-41977AD35B3D}" type="datetimeFigureOut">
               <a:rPr lang="ru-RU" smtClean="0"/>
-              <a:t>5/30/15</a:t>
+              <a:t>5/31/15</a:t>
             </a:fld>
             <a:endParaRPr lang="ru-RU"/>
           </a:p>
@@ -3916,7 +3704,7 @@
           <a:p>
             <a:fld id="{B4C71EC6-210F-42DE-9C53-41977AD35B3D}" type="datetimeFigureOut">
               <a:rPr lang="ru-RU" smtClean="0"/>
-              <a:t>5/30/15</a:t>
+              <a:t>5/31/15</a:t>
             </a:fld>
             <a:endParaRPr lang="ru-RU"/>
           </a:p>
@@ -4081,7 +3869,7 @@
           <a:p>
             <a:fld id="{B4C71EC6-210F-42DE-9C53-41977AD35B3D}" type="datetimeFigureOut">
               <a:rPr lang="ru-RU" smtClean="0"/>
-              <a:t>5/30/15</a:t>
+              <a:t>5/31/15</a:t>
             </a:fld>
             <a:endParaRPr lang="ru-RU"/>
           </a:p>
@@ -4322,7 +4110,7 @@
           <a:p>
             <a:fld id="{B4C71EC6-210F-42DE-9C53-41977AD35B3D}" type="datetimeFigureOut">
               <a:rPr lang="ru-RU" smtClean="0"/>
-              <a:t>5/30/15</a:t>
+              <a:t>5/31/15</a:t>
             </a:fld>
             <a:endParaRPr lang="ru-RU"/>
           </a:p>
@@ -4605,7 +4393,7 @@
           <a:p>
             <a:fld id="{B4C71EC6-210F-42DE-9C53-41977AD35B3D}" type="datetimeFigureOut">
               <a:rPr lang="ru-RU" smtClean="0"/>
-              <a:t>5/30/15</a:t>
+              <a:t>5/31/15</a:t>
             </a:fld>
             <a:endParaRPr lang="ru-RU"/>
           </a:p>
@@ -5022,7 +4810,7 @@
           <a:p>
             <a:fld id="{B4C71EC6-210F-42DE-9C53-41977AD35B3D}" type="datetimeFigureOut">
               <a:rPr lang="ru-RU" smtClean="0"/>
-              <a:t>5/30/15</a:t>
+              <a:t>5/31/15</a:t>
             </a:fld>
             <a:endParaRPr lang="ru-RU"/>
           </a:p>
@@ -5135,7 +4923,7 @@
           <a:p>
             <a:fld id="{B4C71EC6-210F-42DE-9C53-41977AD35B3D}" type="datetimeFigureOut">
               <a:rPr lang="ru-RU" smtClean="0"/>
-              <a:t>5/30/15</a:t>
+              <a:t>5/31/15</a:t>
             </a:fld>
             <a:endParaRPr lang="ru-RU"/>
           </a:p>
@@ -5225,7 +5013,7 @@
           <a:p>
             <a:fld id="{B4C71EC6-210F-42DE-9C53-41977AD35B3D}" type="datetimeFigureOut">
               <a:rPr lang="ru-RU" smtClean="0"/>
-              <a:t>5/30/15</a:t>
+              <a:t>5/31/15</a:t>
             </a:fld>
             <a:endParaRPr lang="ru-RU"/>
           </a:p>
@@ -5497,7 +5285,7 @@
           <a:p>
             <a:fld id="{B4C71EC6-210F-42DE-9C53-41977AD35B3D}" type="datetimeFigureOut">
               <a:rPr lang="ru-RU" smtClean="0"/>
-              <a:t>5/30/15</a:t>
+              <a:t>5/31/15</a:t>
             </a:fld>
             <a:endParaRPr lang="ru-RU"/>
           </a:p>
@@ -5745,7 +5533,7 @@
           <a:p>
             <a:fld id="{B4C71EC6-210F-42DE-9C53-41977AD35B3D}" type="datetimeFigureOut">
               <a:rPr lang="ru-RU" smtClean="0"/>
-              <a:t>5/30/15</a:t>
+              <a:t>5/31/15</a:t>
             </a:fld>
             <a:endParaRPr lang="ru-RU"/>
           </a:p>
@@ -5953,7 +5741,7 @@
           <a:p>
             <a:fld id="{B4C71EC6-210F-42DE-9C53-41977AD35B3D}" type="datetimeFigureOut">
               <a:rPr lang="ru-RU" smtClean="0"/>
-              <a:t>5/30/15</a:t>
+              <a:t>5/31/15</a:t>
             </a:fld>
             <a:endParaRPr lang="ru-RU"/>
           </a:p>
@@ -6560,17 +6348,57 @@
                   <a:lin ang="5400000"/>
                 </a:gradFill>
               </a:rPr>
-              <a:t>Enable APC cache in PHP settings.</a:t>
-            </a:r>
-          </a:p>
-          <a:p>
-            <a:pPr>
-              <a:lnSpc>
-                <a:spcPct val="150000"/>
-              </a:lnSpc>
-              <a:buFont typeface="Wingdings" panose="05000000000000000000" pitchFamily="2" charset="2"/>
-              <a:buChar char="§"/>
-            </a:pPr>
+              <a:t>Enable </a:t>
+            </a:r>
+            <a:r>
+              <a:rPr lang="en-US" sz="2800" b="1" dirty="0" err="1" smtClean="0">
+                <a:ln w="10541" cmpd="sng">
+                  <a:solidFill>
+                    <a:schemeClr val="accent1">
+                      <a:shade val="88000"/>
+                      <a:satMod val="110000"/>
+                    </a:schemeClr>
+                  </a:solidFill>
+                  <a:prstDash val="solid"/>
+                </a:ln>
+                <a:gradFill>
+                  <a:gsLst>
+                    <a:gs pos="0">
+                      <a:schemeClr val="accent1">
+                        <a:tint val="40000"/>
+                        <a:satMod val="250000"/>
+                      </a:schemeClr>
+                    </a:gs>
+                    <a:gs pos="9000">
+                      <a:schemeClr val="accent1">
+                        <a:tint val="52000"/>
+                        <a:satMod val="300000"/>
+                      </a:schemeClr>
+                    </a:gs>
+                    <a:gs pos="50000">
+                      <a:schemeClr val="accent1">
+                        <a:shade val="20000"/>
+                        <a:satMod val="300000"/>
+                      </a:schemeClr>
+                    </a:gs>
+                    <a:gs pos="79000">
+                      <a:schemeClr val="accent1">
+                        <a:tint val="52000"/>
+                        <a:satMod val="300000"/>
+                      </a:schemeClr>
+                    </a:gs>
+                    <a:gs pos="100000">
+                      <a:schemeClr val="accent1">
+                        <a:tint val="40000"/>
+                        <a:satMod val="250000"/>
+                      </a:schemeClr>
+                    </a:gs>
+                  </a:gsLst>
+                  <a:lin ang="5400000"/>
+                </a:gradFill>
+              </a:rPr>
+              <a:t>OPcache</a:t>
+            </a:r>
             <a:r>
               <a:rPr lang="en-US" sz="2800" b="1" dirty="0" smtClean="0">
                 <a:ln w="10541" cmpd="sng">
@@ -6618,7 +6446,212 @@
                   <a:lin ang="5400000"/>
                 </a:gradFill>
               </a:rPr>
-              <a:t>Cache class autoloader with APC.</a:t>
+              <a:t> </a:t>
+            </a:r>
+            <a:r>
+              <a:rPr lang="en-US" sz="2800" b="1" dirty="0" smtClean="0">
+                <a:ln w="10541" cmpd="sng">
+                  <a:solidFill>
+                    <a:schemeClr val="accent1">
+                      <a:shade val="88000"/>
+                      <a:satMod val="110000"/>
+                    </a:schemeClr>
+                  </a:solidFill>
+                  <a:prstDash val="solid"/>
+                </a:ln>
+                <a:gradFill>
+                  <a:gsLst>
+                    <a:gs pos="0">
+                      <a:schemeClr val="accent1">
+                        <a:tint val="40000"/>
+                        <a:satMod val="250000"/>
+                      </a:schemeClr>
+                    </a:gs>
+                    <a:gs pos="9000">
+                      <a:schemeClr val="accent1">
+                        <a:tint val="52000"/>
+                        <a:satMod val="300000"/>
+                      </a:schemeClr>
+                    </a:gs>
+                    <a:gs pos="50000">
+                      <a:schemeClr val="accent1">
+                        <a:shade val="20000"/>
+                        <a:satMod val="300000"/>
+                      </a:schemeClr>
+                    </a:gs>
+                    <a:gs pos="79000">
+                      <a:schemeClr val="accent1">
+                        <a:tint val="52000"/>
+                        <a:satMod val="300000"/>
+                      </a:schemeClr>
+                    </a:gs>
+                    <a:gs pos="100000">
+                      <a:schemeClr val="accent1">
+                        <a:tint val="40000"/>
+                        <a:satMod val="250000"/>
+                      </a:schemeClr>
+                    </a:gs>
+                  </a:gsLst>
+                  <a:lin ang="5400000"/>
+                </a:gradFill>
+              </a:rPr>
+              <a:t>in PHP settings.</a:t>
+            </a:r>
+          </a:p>
+          <a:p>
+            <a:pPr>
+              <a:lnSpc>
+                <a:spcPct val="150000"/>
+              </a:lnSpc>
+              <a:buFont typeface="Wingdings" panose="05000000000000000000" pitchFamily="2" charset="2"/>
+              <a:buChar char="§"/>
+            </a:pPr>
+            <a:r>
+              <a:rPr lang="en-US" sz="2800" b="1" dirty="0" smtClean="0">
+                <a:ln w="10541" cmpd="sng">
+                  <a:solidFill>
+                    <a:schemeClr val="accent1">
+                      <a:shade val="88000"/>
+                      <a:satMod val="110000"/>
+                    </a:schemeClr>
+                  </a:solidFill>
+                  <a:prstDash val="solid"/>
+                </a:ln>
+                <a:gradFill>
+                  <a:gsLst>
+                    <a:gs pos="0">
+                      <a:schemeClr val="accent1">
+                        <a:tint val="40000"/>
+                        <a:satMod val="250000"/>
+                      </a:schemeClr>
+                    </a:gs>
+                    <a:gs pos="9000">
+                      <a:schemeClr val="accent1">
+                        <a:tint val="52000"/>
+                        <a:satMod val="300000"/>
+                      </a:schemeClr>
+                    </a:gs>
+                    <a:gs pos="50000">
+                      <a:schemeClr val="accent1">
+                        <a:shade val="20000"/>
+                        <a:satMod val="300000"/>
+                      </a:schemeClr>
+                    </a:gs>
+                    <a:gs pos="79000">
+                      <a:schemeClr val="accent1">
+                        <a:tint val="52000"/>
+                        <a:satMod val="300000"/>
+                      </a:schemeClr>
+                    </a:gs>
+                    <a:gs pos="100000">
+                      <a:schemeClr val="accent1">
+                        <a:tint val="40000"/>
+                        <a:satMod val="250000"/>
+                      </a:schemeClr>
+                    </a:gs>
+                  </a:gsLst>
+                  <a:lin ang="5400000"/>
+                </a:gradFill>
+              </a:rPr>
+              <a:t>Cache class autoloader with </a:t>
+            </a:r>
+            <a:r>
+              <a:rPr lang="en-US" sz="2800" b="1" dirty="0" err="1" smtClean="0">
+                <a:ln w="10541" cmpd="sng">
+                  <a:solidFill>
+                    <a:schemeClr val="accent1">
+                      <a:shade val="88000"/>
+                      <a:satMod val="110000"/>
+                    </a:schemeClr>
+                  </a:solidFill>
+                  <a:prstDash val="solid"/>
+                </a:ln>
+                <a:gradFill>
+                  <a:gsLst>
+                    <a:gs pos="0">
+                      <a:schemeClr val="accent1">
+                        <a:tint val="40000"/>
+                        <a:satMod val="250000"/>
+                      </a:schemeClr>
+                    </a:gs>
+                    <a:gs pos="9000">
+                      <a:schemeClr val="accent1">
+                        <a:tint val="52000"/>
+                        <a:satMod val="300000"/>
+                      </a:schemeClr>
+                    </a:gs>
+                    <a:gs pos="50000">
+                      <a:schemeClr val="accent1">
+                        <a:shade val="20000"/>
+                        <a:satMod val="300000"/>
+                      </a:schemeClr>
+                    </a:gs>
+                    <a:gs pos="79000">
+                      <a:schemeClr val="accent1">
+                        <a:tint val="52000"/>
+                        <a:satMod val="300000"/>
+                      </a:schemeClr>
+                    </a:gs>
+                    <a:gs pos="100000">
+                      <a:schemeClr val="accent1">
+                        <a:tint val="40000"/>
+                        <a:satMod val="250000"/>
+                      </a:schemeClr>
+                    </a:gs>
+                  </a:gsLst>
+                  <a:lin ang="5400000"/>
+                </a:gradFill>
+              </a:rPr>
+              <a:t>APCu</a:t>
+            </a:r>
+            <a:r>
+              <a:rPr lang="en-US" sz="2800" b="1" dirty="0" smtClean="0">
+                <a:ln w="10541" cmpd="sng">
+                  <a:solidFill>
+                    <a:schemeClr val="accent1">
+                      <a:shade val="88000"/>
+                      <a:satMod val="110000"/>
+                    </a:schemeClr>
+                  </a:solidFill>
+                  <a:prstDash val="solid"/>
+                </a:ln>
+                <a:gradFill>
+                  <a:gsLst>
+                    <a:gs pos="0">
+                      <a:schemeClr val="accent1">
+                        <a:tint val="40000"/>
+                        <a:satMod val="250000"/>
+                      </a:schemeClr>
+                    </a:gs>
+                    <a:gs pos="9000">
+                      <a:schemeClr val="accent1">
+                        <a:tint val="52000"/>
+                        <a:satMod val="300000"/>
+                      </a:schemeClr>
+                    </a:gs>
+                    <a:gs pos="50000">
+                      <a:schemeClr val="accent1">
+                        <a:shade val="20000"/>
+                        <a:satMod val="300000"/>
+                      </a:schemeClr>
+                    </a:gs>
+                    <a:gs pos="79000">
+                      <a:schemeClr val="accent1">
+                        <a:tint val="52000"/>
+                        <a:satMod val="300000"/>
+                      </a:schemeClr>
+                    </a:gs>
+                    <a:gs pos="100000">
+                      <a:schemeClr val="accent1">
+                        <a:tint val="40000"/>
+                        <a:satMod val="250000"/>
+                      </a:schemeClr>
+                    </a:gs>
+                  </a:gsLst>
+                  <a:lin ang="5400000"/>
+                </a:gradFill>
+              </a:rPr>
+              <a:t>.</a:t>
             </a:r>
             <a:endParaRPr lang="en-US" sz="2800" b="1" dirty="0">
               <a:ln w="10541" cmpd="sng">
@@ -6722,8 +6755,152 @@
                   <a:lin ang="5400000"/>
                 </a:gradFill>
               </a:rPr>
-              <a:t>Doctrine query cache in APC.</a:t>
-            </a:r>
+              <a:t>Doctrine query cache in </a:t>
+            </a:r>
+            <a:r>
+              <a:rPr lang="en-US" sz="2800" b="1" dirty="0" err="1" smtClean="0">
+                <a:ln w="10541" cmpd="sng">
+                  <a:solidFill>
+                    <a:schemeClr val="accent1">
+                      <a:shade val="88000"/>
+                      <a:satMod val="110000"/>
+                    </a:schemeClr>
+                  </a:solidFill>
+                  <a:prstDash val="solid"/>
+                </a:ln>
+                <a:gradFill>
+                  <a:gsLst>
+                    <a:gs pos="0">
+                      <a:schemeClr val="accent1">
+                        <a:tint val="40000"/>
+                        <a:satMod val="250000"/>
+                      </a:schemeClr>
+                    </a:gs>
+                    <a:gs pos="9000">
+                      <a:schemeClr val="accent1">
+                        <a:tint val="52000"/>
+                        <a:satMod val="300000"/>
+                      </a:schemeClr>
+                    </a:gs>
+                    <a:gs pos="50000">
+                      <a:schemeClr val="accent1">
+                        <a:shade val="20000"/>
+                        <a:satMod val="300000"/>
+                      </a:schemeClr>
+                    </a:gs>
+                    <a:gs pos="79000">
+                      <a:schemeClr val="accent1">
+                        <a:tint val="52000"/>
+                        <a:satMod val="300000"/>
+                      </a:schemeClr>
+                    </a:gs>
+                    <a:gs pos="100000">
+                      <a:schemeClr val="accent1">
+                        <a:tint val="40000"/>
+                        <a:satMod val="250000"/>
+                      </a:schemeClr>
+                    </a:gs>
+                  </a:gsLst>
+                  <a:lin ang="5400000"/>
+                </a:gradFill>
+              </a:rPr>
+              <a:t>APCu</a:t>
+            </a:r>
+            <a:r>
+              <a:rPr lang="en-US" sz="2800" b="1" dirty="0" smtClean="0">
+                <a:ln w="10541" cmpd="sng">
+                  <a:solidFill>
+                    <a:schemeClr val="accent1">
+                      <a:shade val="88000"/>
+                      <a:satMod val="110000"/>
+                    </a:schemeClr>
+                  </a:solidFill>
+                  <a:prstDash val="solid"/>
+                </a:ln>
+                <a:gradFill>
+                  <a:gsLst>
+                    <a:gs pos="0">
+                      <a:schemeClr val="accent1">
+                        <a:tint val="40000"/>
+                        <a:satMod val="250000"/>
+                      </a:schemeClr>
+                    </a:gs>
+                    <a:gs pos="9000">
+                      <a:schemeClr val="accent1">
+                        <a:tint val="52000"/>
+                        <a:satMod val="300000"/>
+                      </a:schemeClr>
+                    </a:gs>
+                    <a:gs pos="50000">
+                      <a:schemeClr val="accent1">
+                        <a:shade val="20000"/>
+                        <a:satMod val="300000"/>
+                      </a:schemeClr>
+                    </a:gs>
+                    <a:gs pos="79000">
+                      <a:schemeClr val="accent1">
+                        <a:tint val="52000"/>
+                        <a:satMod val="300000"/>
+                      </a:schemeClr>
+                    </a:gs>
+                    <a:gs pos="100000">
+                      <a:schemeClr val="accent1">
+                        <a:tint val="40000"/>
+                        <a:satMod val="250000"/>
+                      </a:schemeClr>
+                    </a:gs>
+                  </a:gsLst>
+                  <a:lin ang="5400000"/>
+                </a:gradFill>
+              </a:rPr>
+              <a:t>.</a:t>
+            </a:r>
+            <a:endParaRPr lang="en-US" sz="2800" b="1" dirty="0" smtClean="0">
+              <a:ln w="10541" cmpd="sng">
+                <a:solidFill>
+                  <a:schemeClr val="accent1">
+                    <a:shade val="88000"/>
+                    <a:satMod val="110000"/>
+                  </a:schemeClr>
+                </a:solidFill>
+                <a:prstDash val="solid"/>
+              </a:ln>
+              <a:gradFill>
+                <a:gsLst>
+                  <a:gs pos="0">
+                    <a:schemeClr val="accent1">
+                      <a:tint val="40000"/>
+                      <a:satMod val="250000"/>
+                    </a:schemeClr>
+                  </a:gs>
+                  <a:gs pos="9000">
+                    <a:schemeClr val="accent1">
+                      <a:tint val="52000"/>
+                      <a:satMod val="300000"/>
+                    </a:schemeClr>
+                  </a:gs>
+                  <a:gs pos="50000">
+                    <a:schemeClr val="accent1">
+                      <a:shade val="20000"/>
+                      <a:satMod val="300000"/>
+                    </a:schemeClr>
+                  </a:gs>
+                  <a:gs pos="79000">
+                    <a:schemeClr val="accent1">
+                      <a:tint val="52000"/>
+                      <a:satMod val="300000"/>
+                    </a:schemeClr>
+                  </a:gs>
+                  <a:gs pos="100000">
+                    <a:schemeClr val="accent1">
+                      <a:tint val="40000"/>
+                      <a:satMod val="250000"/>
+                    </a:schemeClr>
+                  </a:gs>
+                </a:gsLst>
+                <a:lin ang="5400000"/>
+              </a:gradFill>
+            </a:endParaRPr>
           </a:p>
           <a:p>
             <a:endParaRPr lang="en-US" sz="2800" dirty="0"/>
@@ -8563,7 +8740,7 @@
         </p:nvSpPr>
         <p:spPr>
           <a:xfrm>
-            <a:off x="323528" y="4526454"/>
+            <a:off x="323528" y="5517232"/>
             <a:ext cx="2526589" cy="923330"/>
           </a:xfrm>
           <a:prstGeom prst="rect">
@@ -8778,6 +8955,112 @@
             <a:r>
               <a:rPr lang="en-US" i="1" dirty="0" smtClean="0"/>
               <a:t>ached by public cache</a:t>
+            </a:r>
+            <a:endParaRPr lang="en-US" i="1" dirty="0"/>
+          </a:p>
+        </p:txBody>
+      </p:sp>
+      <p:sp>
+        <p:nvSpPr>
+          <p:cNvPr id="15" name="Прямоугольник 14"/>
+          <p:cNvSpPr/>
+          <p:nvPr/>
+        </p:nvSpPr>
+        <p:spPr>
+          <a:xfrm>
+            <a:off x="3347864" y="4725144"/>
+            <a:ext cx="720080" cy="360040"/>
+          </a:xfrm>
+          <a:prstGeom prst="rect">
+            <a:avLst/>
+          </a:prstGeom>
+        </p:spPr>
+        <p:style>
+          <a:lnRef idx="2">
+            <a:schemeClr val="accent5">
+              <a:shade val="50000"/>
+            </a:schemeClr>
+          </a:lnRef>
+          <a:fillRef idx="1">
+            <a:schemeClr val="accent5"/>
+          </a:fillRef>
+          <a:effectRef idx="0">
+            <a:schemeClr val="accent5"/>
+          </a:effectRef>
+          <a:fontRef idx="minor">
+            <a:schemeClr val="lt1"/>
+          </a:fontRef>
+        </p:style>
+        <p:txBody>
+          <a:bodyPr rtlCol="0" anchor="ctr"/>
+          <a:lstStyle/>
+          <a:p>
+            <a:pPr algn="ctr"/>
+            <a:endParaRPr lang="en-US"/>
+          </a:p>
+        </p:txBody>
+      </p:sp>
+      <p:sp>
+        <p:nvSpPr>
+          <p:cNvPr id="16" name="Скругленная прямоугольная выноска 15"/>
+          <p:cNvSpPr/>
+          <p:nvPr/>
+        </p:nvSpPr>
+        <p:spPr>
+          <a:xfrm>
+            <a:off x="565796" y="3452281"/>
+            <a:ext cx="2304256" cy="1488887"/>
+          </a:xfrm>
+          <a:prstGeom prst="wedgeRoundRectCallout">
+            <a:avLst>
+              <a:gd name="adj1" fmla="val 78173"/>
+              <a:gd name="adj2" fmla="val 41746"/>
+              <a:gd name="adj3" fmla="val 16667"/>
+            </a:avLst>
+          </a:prstGeom>
+        </p:spPr>
+        <p:style>
+          <a:lnRef idx="2">
+            <a:schemeClr val="accent5"/>
+          </a:lnRef>
+          <a:fillRef idx="1">
+            <a:schemeClr val="lt1"/>
+          </a:fillRef>
+          <a:effectRef idx="0">
+            <a:schemeClr val="accent5"/>
+          </a:effectRef>
+          <a:fontRef idx="minor">
+            <a:schemeClr val="dk1"/>
+          </a:fontRef>
+        </p:style>
+        <p:txBody>
+          <a:bodyPr rtlCol="0" anchor="ctr"/>
+          <a:lstStyle/>
+          <a:p>
+            <a:pPr algn="ctr"/>
+            <a:r>
+              <a:rPr lang="en-US" dirty="0" smtClean="0"/>
+              <a:t>ESI tag. </a:t>
+            </a:r>
+            <a:endParaRPr lang="en-US" dirty="0" smtClean="0"/>
+          </a:p>
+          <a:p>
+            <a:pPr algn="ctr"/>
+            <a:endParaRPr lang="en-US" dirty="0"/>
+          </a:p>
+          <a:p>
+            <a:pPr algn="ctr"/>
+            <a:r>
+              <a:rPr lang="en-US" i="1" dirty="0"/>
+              <a:t>C</a:t>
+            </a:r>
+            <a:r>
+              <a:rPr lang="en-US" i="1" dirty="0" smtClean="0"/>
+              <a:t>ached </a:t>
+            </a:r>
+            <a:r>
+              <a:rPr lang="en-US" i="1" dirty="0" smtClean="0"/>
+              <a:t>by public cache</a:t>
             </a:r>
             <a:endParaRPr lang="en-US" i="1" dirty="0"/>
           </a:p>
@@ -9044,6 +9327,51 @@
                       </p:childTnLst>
                     </p:cTn>
                   </p:par>
+                  <p:par>
+                    <p:cTn id="23" fill="hold">
+                      <p:stCondLst>
+                        <p:cond delay="indefinite"/>
+                      </p:stCondLst>
+                      <p:childTnLst>
+                        <p:par>
+                          <p:cTn id="24" fill="hold">
+                            <p:stCondLst>
+                              <p:cond delay="0"/>
+                            </p:stCondLst>
+                            <p:childTnLst>
+                              <p:par>
+                                <p:cTn id="25" presetID="1" presetClass="entr" presetSubtype="0" fill="hold" grpId="0" nodeType="clickEffect">
+                                  <p:stCondLst>
+                                    <p:cond delay="0"/>
+                                  </p:stCondLst>
+                                  <p:childTnLst>
+                                    <p:set>
+                                      <p:cBhvr>
+                                        <p:cTn id="26" dur="1" fill="hold">
+                                          <p:stCondLst>
+                                            <p:cond delay="0"/>
+                                          </p:stCondLst>
+                                        </p:cTn>
+                                        <p:tgtEl>
+                                          <p:spTgt spid="15"/>
+                                        </p:tgtEl>
+                                        <p:attrNameLst>
+                                          <p:attrName>style.visibility</p:attrName>
+                                        </p:attrNameLst>
+                                      </p:cBhvr>
+                                      <p:to>
+                                        <p:strVal val="visible"/>
+                                      </p:to>
+                                    </p:set>
+                                  </p:childTnLst>
+                                </p:cTn>
+                              </p:par>
+                            </p:childTnLst>
+                          </p:cTn>
+                        </p:par>
+                      </p:childTnLst>
+                    </p:cTn>
+                  </p:par>
                 </p:childTnLst>
               </p:cTn>
               <p:prevCondLst>
@@ -9072,6 +9400,7 @@
       <p:bldP spid="10" grpId="0"/>
       <p:bldP spid="12" grpId="0" animBg="1"/>
       <p:bldP spid="13" grpId="0" animBg="1"/>
+      <p:bldP spid="15" grpId="0" animBg="1"/>
     </p:bldLst>
   </p:timing>
 </p:sld>
@@ -9237,7 +9566,7 @@
           <p:nvPr>
             <p:extLst>
               <p:ext uri="{D42A27DB-BD31-4B8C-83A1-F6EECF244321}">
-                <p14:modId xmlns:p14="http://schemas.microsoft.com/office/powerpoint/2010/main" val="3529663888"/>
+                <p14:modId xmlns:p14="http://schemas.microsoft.com/office/powerpoint/2010/main" val="3567883648"/>
               </p:ext>
             </p:extLst>
           </p:nvPr>
@@ -11395,7 +11724,43 @@
             </a:pPr>
             <a:r>
               <a:rPr lang="en-US" dirty="0" smtClean="0"/>
-              <a:t>Choose one of existing caching providers: APC, memory (arrays), file system, etc..</a:t>
+              <a:t>Choose one of existing caching providers: </a:t>
+            </a:r>
+            <a:r>
+              <a:rPr lang="en-US" dirty="0" err="1" smtClean="0"/>
+              <a:t>APCu</a:t>
+            </a:r>
+            <a:r>
+              <a:rPr lang="en-US" dirty="0" smtClean="0"/>
+              <a:t>, </a:t>
+            </a:r>
+            <a:r>
+              <a:rPr lang="en-US" dirty="0" smtClean="0"/>
+              <a:t>memory </a:t>
+            </a:r>
+            <a:r>
+              <a:rPr lang="en-US" dirty="0" smtClean="0"/>
+              <a:t>(</a:t>
+            </a:r>
+            <a:r>
+              <a:rPr lang="en-US" dirty="0" err="1" smtClean="0"/>
+              <a:t>memcache</a:t>
+            </a:r>
+            <a:r>
+              <a:rPr lang="en-US" dirty="0" smtClean="0"/>
+              <a:t>/arrays</a:t>
+            </a:r>
+            <a:r>
+              <a:rPr lang="en-US" dirty="0" smtClean="0"/>
+              <a:t>), </a:t>
+            </a:r>
+            <a:r>
+              <a:rPr lang="en-US" dirty="0" smtClean="0"/>
+              <a:t>file system</a:t>
+            </a:r>
+            <a:r>
+              <a:rPr lang="en-US" dirty="0" smtClean="0"/>
+              <a:t>, etc..</a:t>
             </a:r>
           </a:p>
           <a:p>
@@ -11624,7 +11989,7 @@
         </p:spPr>
         <p:txBody>
           <a:bodyPr>
-            <a:normAutofit fontScale="92500" lnSpcReduction="20000"/>
+            <a:normAutofit fontScale="77500" lnSpcReduction="20000"/>
           </a:bodyPr>
           <a:lstStyle/>
           <a:p>
@@ -11700,12 +12065,17 @@
             </a:pPr>
             <a:r>
               <a:rPr lang="en-US" dirty="0" smtClean="0"/>
-              <a:t>Flush garbage collector from time to time</a:t>
-            </a:r>
-            <a:r>
-              <a:rPr lang="en-US" dirty="0"/>
-              <a:t> </a:t>
-            </a:r>
+              <a:t>Flush garbage collector from time to </a:t>
+            </a:r>
+            <a:r>
+              <a:rPr lang="en-US" dirty="0" smtClean="0"/>
+              <a:t>time</a:t>
+            </a:r>
+          </a:p>
+          <a:p>
+            <a:pPr marL="400050" lvl="1" indent="0">
+              <a:buNone/>
+            </a:pPr>
             <a:r>
               <a:rPr lang="en-US" sz="2200" dirty="0" err="1" smtClean="0"/>
               <a:t>gc_collect_cycles</a:t>
@@ -11725,7 +12095,11 @@
             </a:pPr>
             <a:r>
               <a:rPr lang="en-US" dirty="0" smtClean="0"/>
-              <a:t>Use pagination to </a:t>
+              <a:t>Use </a:t>
+            </a:r>
+            <a:r>
+              <a:rPr lang="en-US" dirty="0" smtClean="0"/>
+              <a:t>pagination to </a:t>
             </a:r>
             <a:r>
               <a:rPr lang="en-US" dirty="0" err="1" smtClean="0"/>
@@ -11733,7 +12107,11 @@
             </a:r>
             <a:r>
               <a:rPr lang="en-US" dirty="0" smtClean="0"/>
-              <a:t> huge amount of data.</a:t>
+              <a:t> huge amount of </a:t>
+            </a:r>
+            <a:r>
+              <a:rPr lang="en-US" dirty="0" smtClean="0"/>
+              <a:t>data.</a:t>
             </a:r>
           </a:p>
           <a:p>
@@ -11748,6 +12126,42 @@
               <a:rPr lang="en-US" dirty="0" smtClean="0"/>
               <a:t>.</a:t>
             </a:r>
+          </a:p>
+          <a:p>
+            <a:pPr>
+              <a:buFont typeface="Courier New" panose="02070309020205020404" pitchFamily="49" charset="0"/>
+              <a:buChar char="o"/>
+            </a:pPr>
+            <a:endParaRPr lang="en-US" dirty="0" smtClean="0"/>
+          </a:p>
+          <a:p>
+            <a:pPr>
+              <a:buFont typeface="Courier New" panose="02070309020205020404" pitchFamily="49" charset="0"/>
+              <a:buChar char="o"/>
+            </a:pPr>
+            <a:r>
+              <a:rPr lang="en-US" dirty="0" smtClean="0"/>
+              <a:t>Use batch processing for bulk operations with a lot of data.</a:t>
+            </a:r>
+            <a:endParaRPr lang="en-US" dirty="0"/>
+          </a:p>
+          <a:p>
+            <a:pPr marL="400050" lvl="1" indent="0">
+              <a:buNone/>
+            </a:pPr>
+            <a:r>
+              <a:rPr lang="en-US" sz="2200" dirty="0" smtClean="0"/>
+              <a:t>Well</a:t>
+            </a:r>
+            <a:r>
+              <a:rPr lang="en-US" sz="2200" dirty="0"/>
+              <a:t>-suited for mass inserts, updates or deletions</a:t>
+            </a:r>
+            <a:r>
+              <a:rPr lang="en-US" dirty="0" smtClean="0"/>
+              <a:t>.</a:t>
+            </a:r>
+            <a:endParaRPr lang="en-US" dirty="0"/>
           </a:p>
         </p:txBody>
       </p:sp>
@@ -12371,11 +12785,7 @@
           <a:p>
             <a:r>
               <a:rPr lang="en-US" dirty="0" smtClean="0"/>
-              <a:t>to be continued next </a:t>
-            </a:r>
-            <a:r>
-              <a:rPr lang="en-US" dirty="0" smtClean="0"/>
-              <a:t>Wednesday</a:t>
+              <a:t>to be continued next Wednesday</a:t>
             </a:r>
             <a:endParaRPr lang="en-US" dirty="0"/>
           </a:p>
@@ -14229,8 +14639,17 @@
           <a:p>
             <a:r>
               <a:rPr lang="en-US" sz="2800" dirty="0" smtClean="0"/>
-              <a:t>Database</a:t>
-            </a:r>
+              <a:t>Database (SQL or </a:t>
+            </a:r>
+            <a:r>
+              <a:rPr lang="en-US" sz="2800" dirty="0" err="1" smtClean="0"/>
+              <a:t>NoSQL</a:t>
+            </a:r>
+            <a:r>
+              <a:rPr lang="en-US" sz="2800" dirty="0" smtClean="0"/>
+              <a:t>)</a:t>
+            </a:r>
+            <a:endParaRPr lang="en-US" sz="2800" dirty="0" smtClean="0"/>
           </a:p>
           <a:p>
             <a:r>
@@ -14377,7 +14796,27 @@
             </a:pPr>
             <a:r>
               <a:rPr lang="en-US" sz="2400" dirty="0" smtClean="0"/>
-              <a:t>A good option is to upload files via </a:t>
+              <a:t>A good option is to upload files </a:t>
+            </a:r>
+            <a:r>
+              <a:rPr lang="en-US" sz="2400" dirty="0" smtClean="0"/>
+              <a:t>via ready to use 3</a:t>
+            </a:r>
+            <a:r>
+              <a:rPr lang="en-US" sz="2400" baseline="30000" dirty="0" smtClean="0"/>
+              <a:t>rd</a:t>
+            </a:r>
+            <a:r>
+              <a:rPr lang="en-US" sz="2400" dirty="0" smtClean="0"/>
+              <a:t> party libraries (</a:t>
+            </a:r>
+            <a:r>
+              <a:rPr lang="en-US" sz="2400" dirty="0" err="1" smtClean="0"/>
+              <a:t>e.g</a:t>
+            </a:r>
+            <a:r>
+              <a:rPr lang="en-US" sz="2400" dirty="0" smtClean="0"/>
+              <a:t> </a:t>
             </a:r>
             <a:r>
               <a:rPr lang="en-US" sz="2400" dirty="0" err="1" smtClean="0"/>
@@ -14385,19 +14824,27 @@
             </a:r>
             <a:r>
               <a:rPr lang="en-US" sz="2400" dirty="0" smtClean="0"/>
-              <a:t>. This bundle has build-in support of Amazon </a:t>
-            </a:r>
-            <a:r>
-              <a:rPr lang="en-US" sz="2400" dirty="0"/>
-              <a:t>S3, </a:t>
+              <a:t> or </a:t>
             </a:r>
             <a:r>
               <a:rPr lang="en-US" sz="2400" dirty="0" err="1" smtClean="0"/>
-              <a:t>mogilefs</a:t>
+              <a:t>MoxieManager</a:t>
             </a:r>
             <a:r>
               <a:rPr lang="en-US" sz="2400" dirty="0" smtClean="0"/>
-              <a:t>,  simple FTP connectors, etc.</a:t>
+              <a:t>). A lot of them have build</a:t>
+            </a:r>
+            <a:r>
+              <a:rPr lang="en-US" sz="2400" dirty="0" smtClean="0"/>
+              <a:t>-in support of Amazon </a:t>
+            </a:r>
+            <a:r>
+              <a:rPr lang="en-US" sz="2400" dirty="0" smtClean="0"/>
+              <a:t>S3,  </a:t>
+            </a:r>
+            <a:r>
+              <a:rPr lang="en-US" sz="2400" dirty="0" smtClean="0"/>
+              <a:t>simple FTP connectors, etc.</a:t>
             </a:r>
           </a:p>
           <a:p>
@@ -14428,7 +14875,7 @@
             </a:r>
             <a:r>
               <a:rPr lang="en-US" sz="2400" dirty="0" smtClean="0"/>
-              <a:t>mount.</a:t>
+              <a:t>mount .</a:t>
             </a:r>
             <a:endParaRPr lang="en-US" sz="2400" dirty="0"/>
           </a:p>
@@ -14512,7 +14959,7 @@
         </p:spPr>
         <p:txBody>
           <a:bodyPr>
-            <a:normAutofit/>
+            <a:normAutofit lnSpcReduction="10000"/>
           </a:bodyPr>
           <a:lstStyle/>
           <a:p>
@@ -14531,6 +14978,7 @@
               <a:rPr lang="en-US" sz="2400" dirty="0" smtClean="0"/>
               <a:t>.</a:t>
             </a:r>
+            <a:endParaRPr lang="en-US" sz="2400" dirty="0" smtClean="0"/>
           </a:p>
           <a:p>
             <a:pPr marL="0" indent="0">
@@ -14561,8 +15009,18 @@
             </a:pPr>
             <a:r>
               <a:rPr lang="en-US" sz="2400" dirty="0" smtClean="0"/>
-              <a:t>It is easy to use, but have some limitations in production environment:</a:t>
-            </a:r>
+              <a:t>It is easy to use, but have some limitations in production environment</a:t>
+            </a:r>
+            <a:r>
+              <a:rPr lang="en-US" sz="2400" dirty="0" smtClean="0"/>
+              <a:t>:</a:t>
+            </a:r>
+          </a:p>
+          <a:p>
+            <a:pPr marL="0" indent="0">
+              <a:buNone/>
+            </a:pPr>
+            <a:endParaRPr lang="en-US" sz="2400" dirty="0" smtClean="0"/>
           </a:p>
           <a:p>
             <a:pPr>
